--- a/codecampnyc2019/slides/Intro-Dotnet-Spark.pptx
+++ b/codecampnyc2019/slides/Intro-Dotnet-Spark.pptx
@@ -206,6 +206,9 @@
           </p14:sldIdLst>
         </p14:section>
       </p14:sectionLst>
+    </p:ext>
+    <p:ext uri="{EFAFB233-063F-42B5-8137-9DF3F51BA10A}">
+      <p15:sldGuideLst xmlns:p15="http://schemas.microsoft.com/office/powerpoint/2012/main"/>
     </p:ext>
   </p:extLst>
 </p:presentation>
@@ -9980,7 +9983,7 @@
           <a:p>
             <a:fld id="{959D85F4-259E-4861-9D3F-E38595CEEC04}" type="datetimeFigureOut">
               <a:rPr lang="en-US" smtClean="0"/>
-              <a:t>10/11/2019</a:t>
+              <a:t>10/12/2019</a:t>
             </a:fld>
             <a:endParaRPr lang="en-US"/>
           </a:p>
@@ -10834,7 +10837,7 @@
           <a:p>
             <a:fld id="{2085E625-381D-4C8A-9924-951B30898061}" type="datetime1">
               <a:rPr lang="en-US" smtClean="0"/>
-              <a:t>10/11/2019</a:t>
+              <a:t>10/12/2019</a:t>
             </a:fld>
             <a:endParaRPr lang="en-US"/>
           </a:p>
@@ -11035,7 +11038,7 @@
           <a:p>
             <a:fld id="{A1EDE574-8E41-4307-8CD3-6FEF2B6A3D0A}" type="datetime1">
               <a:rPr lang="en-US" smtClean="0"/>
-              <a:t>10/11/2019</a:t>
+              <a:t>10/12/2019</a:t>
             </a:fld>
             <a:endParaRPr lang="en-US"/>
           </a:p>
@@ -11246,7 +11249,7 @@
           <a:p>
             <a:fld id="{AA723E24-64FD-40BA-AA63-D9C322197F5A}" type="datetime1">
               <a:rPr lang="en-US" smtClean="0"/>
-              <a:t>10/11/2019</a:t>
+              <a:t>10/12/2019</a:t>
             </a:fld>
             <a:endParaRPr lang="en-US"/>
           </a:p>
@@ -11447,7 +11450,7 @@
           <a:p>
             <a:fld id="{98E07A51-60C2-439D-96B2-B8F4CC24D695}" type="datetime1">
               <a:rPr lang="en-US" smtClean="0"/>
-              <a:t>10/11/2019</a:t>
+              <a:t>10/12/2019</a:t>
             </a:fld>
             <a:endParaRPr lang="en-US"/>
           </a:p>
@@ -11725,7 +11728,7 @@
           <a:p>
             <a:fld id="{FFB77809-AF63-4694-A462-A7FF88D65FF1}" type="datetime1">
               <a:rPr lang="en-US" smtClean="0"/>
-              <a:t>10/11/2019</a:t>
+              <a:t>10/12/2019</a:t>
             </a:fld>
             <a:endParaRPr lang="en-US"/>
           </a:p>
@@ -11993,7 +11996,7 @@
           <a:p>
             <a:fld id="{EC09B242-7465-46AC-86AF-2C4C5AAF1472}" type="datetime1">
               <a:rPr lang="en-US" smtClean="0"/>
-              <a:t>10/11/2019</a:t>
+              <a:t>10/12/2019</a:t>
             </a:fld>
             <a:endParaRPr lang="en-US"/>
           </a:p>
@@ -12408,7 +12411,7 @@
           <a:p>
             <a:fld id="{AD95C1DE-C992-4056-B934-84E0856B36CF}" type="datetime1">
               <a:rPr lang="en-US" smtClean="0"/>
-              <a:t>10/11/2019</a:t>
+              <a:t>10/12/2019</a:t>
             </a:fld>
             <a:endParaRPr lang="en-US"/>
           </a:p>
@@ -12552,7 +12555,7 @@
           <a:p>
             <a:fld id="{616A5FA8-33E5-4FE3-8F1A-971447F6DDE2}" type="datetime1">
               <a:rPr lang="en-US" smtClean="0"/>
-              <a:t>10/11/2019</a:t>
+              <a:t>10/12/2019</a:t>
             </a:fld>
             <a:endParaRPr lang="en-US"/>
           </a:p>
@@ -12668,7 +12671,7 @@
           <a:p>
             <a:fld id="{8C89315C-ED72-4001-950A-EEF53CCD98A7}" type="datetime1">
               <a:rPr lang="en-US" smtClean="0"/>
-              <a:t>10/11/2019</a:t>
+              <a:t>10/12/2019</a:t>
             </a:fld>
             <a:endParaRPr lang="en-US"/>
           </a:p>
@@ -12982,7 +12985,7 @@
           <a:p>
             <a:fld id="{BC99C743-F375-4040-9B39-34647ACD239D}" type="datetime1">
               <a:rPr lang="en-US" smtClean="0"/>
-              <a:t>10/11/2019</a:t>
+              <a:t>10/12/2019</a:t>
             </a:fld>
             <a:endParaRPr lang="en-US"/>
           </a:p>
@@ -13273,7 +13276,7 @@
           <a:p>
             <a:fld id="{10ED4B91-2588-481C-875E-2C010D4BB40F}" type="datetime1">
               <a:rPr lang="en-US" smtClean="0"/>
-              <a:t>10/11/2019</a:t>
+              <a:t>10/12/2019</a:t>
             </a:fld>
             <a:endParaRPr lang="en-US"/>
           </a:p>
@@ -13517,7 +13520,7 @@
           <a:p>
             <a:fld id="{1F9D2FCF-1A60-43C1-9610-9D5B7CB45C2C}" type="datetime1">
               <a:rPr lang="en-US" smtClean="0"/>
-              <a:t>10/11/2019</a:t>
+              <a:t>10/12/2019</a:t>
             </a:fld>
             <a:endParaRPr lang="en-US"/>
           </a:p>
@@ -14002,9 +14005,13 @@
             <a:r>
               <a:rPr lang="en-US" sz="3600" dirty="0">
                 <a:latin typeface="+mj-lt"/>
+                <a:hlinkClick r:id="rId2"/>
               </a:rPr>
               <a:t>@ljquintanilla</a:t>
             </a:r>
+            <a:endParaRPr lang="en-US" sz="3600" dirty="0">
+              <a:latin typeface="+mj-lt"/>
+            </a:endParaRPr>
           </a:p>
         </p:txBody>
       </p:sp>
@@ -16172,9 +16179,18 @@
             <a:pPr algn="ctr"/>
             <a:r>
               <a:rPr lang="en-US" dirty="0">
+                <a:solidFill>
+                  <a:srgbClr val="7030A0"/>
+                </a:solidFill>
                 <a:latin typeface="Arial Black" panose="020B0A04020102020204" pitchFamily="34" charset="0"/>
               </a:rPr>
-              <a:t>.NET for Apache Spark</a:t>
+              <a:t>.NET</a:t>
+            </a:r>
+            <a:r>
+              <a:rPr lang="en-US" dirty="0">
+                <a:latin typeface="Arial Black" panose="020B0A04020102020204" pitchFamily="34" charset="0"/>
+              </a:rPr>
+              <a:t> for Apache Spark</a:t>
             </a:r>
           </a:p>
         </p:txBody>
@@ -17046,9 +17062,18 @@
           <a:p>
             <a:r>
               <a:rPr lang="en-US" sz="4800" dirty="0">
+                <a:solidFill>
+                  <a:schemeClr val="accent2"/>
+                </a:solidFill>
                 <a:latin typeface="Arial Black" panose="020B0A04020102020204" pitchFamily="34" charset="0"/>
               </a:rPr>
-              <a:t>ML.NET Framework</a:t>
+              <a:t>ML.NET</a:t>
+            </a:r>
+            <a:r>
+              <a:rPr lang="en-US" sz="4800" dirty="0">
+                <a:latin typeface="Arial Black" panose="020B0A04020102020204" pitchFamily="34" charset="0"/>
+              </a:rPr>
+              <a:t> Framework</a:t>
             </a:r>
           </a:p>
         </p:txBody>
@@ -17534,9 +17559,9 @@
         <p:grpSpPr>
           <a:xfrm>
             <a:off x="838200" y="2384246"/>
-            <a:ext cx="6164145" cy="914400"/>
+            <a:ext cx="4463085" cy="914400"/>
             <a:chOff x="838200" y="2656811"/>
-            <a:chExt cx="6164145" cy="914400"/>
+            <a:chExt cx="4463085" cy="914400"/>
           </a:xfrm>
         </p:grpSpPr>
         <p:pic>
@@ -17592,8 +17617,8 @@
           </p:nvSpPr>
           <p:spPr>
             <a:xfrm>
-              <a:off x="2128317" y="2852401"/>
-              <a:ext cx="4874028" cy="523220"/>
+              <a:off x="2158950" y="2862726"/>
+              <a:ext cx="3142335" cy="523220"/>
             </a:xfrm>
             <a:prstGeom prst="rect">
               <a:avLst/>
@@ -17608,9 +17633,12 @@
             <a:p>
               <a:pPr algn="ctr"/>
               <a:r>
-                <a:rPr lang="en-US" sz="2800" dirty="0"/>
-                <a:t>Luis.Quintanilla@Microsoft.com</a:t>
+                <a:rPr lang="en-US" sz="2800" dirty="0">
+                  <a:hlinkClick r:id="rId6"/>
+                </a:rPr>
+                <a:t>lqdev@outlook.com</a:t>
               </a:r>
+              <a:endParaRPr lang="en-US" sz="2800" dirty="0"/>
             </a:p>
           </p:txBody>
         </p:sp>
@@ -17650,13 +17678,13 @@
             <p:nvPr/>
           </p:nvPicPr>
           <p:blipFill>
-            <a:blip r:embed="rId6">
+            <a:blip r:embed="rId7">
               <a:extLst>
                 <a:ext uri="{28A0092B-C50C-407E-A947-70E740481C1C}">
                   <a14:useLocalDpi xmlns:a14="http://schemas.microsoft.com/office/drawing/2010/main" val="0"/>
                 </a:ext>
                 <a:ext uri="{96DAC541-7B7A-43D3-8B79-37D633B846F1}">
-                  <asvg:svgBlip xmlns:asvg="http://schemas.microsoft.com/office/drawing/2016/SVG/main" r:embed="rId7"/>
+                  <asvg:svgBlip xmlns:asvg="http://schemas.microsoft.com/office/drawing/2016/SVG/main" r:embed="rId8"/>
                 </a:ext>
               </a:extLst>
             </a:blip>
@@ -17704,9 +17732,12 @@
             <a:p>
               <a:pPr algn="ctr"/>
               <a:r>
-                <a:rPr lang="en-US" sz="2800" dirty="0"/>
+                <a:rPr lang="en-US" sz="2800" dirty="0">
+                  <a:hlinkClick r:id="rId9"/>
+                </a:rPr>
                 <a:t>http://luisquintanilla.me</a:t>
               </a:r>
+              <a:endParaRPr lang="en-US" sz="2800" dirty="0"/>
             </a:p>
           </p:txBody>
         </p:sp>
@@ -17746,7 +17777,7 @@
             <p:nvPr/>
           </p:nvPicPr>
           <p:blipFill>
-            <a:blip r:embed="rId8">
+            <a:blip r:embed="rId10">
               <a:extLst>
                 <a:ext uri="{28A0092B-C50C-407E-A947-70E740481C1C}">
                   <a14:useLocalDpi xmlns:a14="http://schemas.microsoft.com/office/drawing/2010/main" val="0"/>
@@ -17797,9 +17828,12 @@
             <a:p>
               <a:pPr algn="ctr"/>
               <a:r>
-                <a:rPr lang="en-US" sz="2800" dirty="0"/>
+                <a:rPr lang="en-US" sz="2800" dirty="0">
+                  <a:hlinkClick r:id="rId11"/>
+                </a:rPr>
                 <a:t>@ljquintanilla</a:t>
               </a:r>
+              <a:endParaRPr lang="en-US" sz="2800" dirty="0"/>
             </a:p>
           </p:txBody>
         </p:sp>
@@ -17839,7 +17873,7 @@
             <p:nvPr/>
           </p:nvPicPr>
           <p:blipFill>
-            <a:blip r:embed="rId9">
+            <a:blip r:embed="rId12">
               <a:extLst>
                 <a:ext uri="{28A0092B-C50C-407E-A947-70E740481C1C}">
                   <a14:useLocalDpi xmlns:a14="http://schemas.microsoft.com/office/drawing/2010/main" val="0"/>
@@ -17893,9 +17927,14 @@
                 <a:rPr lang="en-US" sz="2800" dirty="0">
                   <a:latin typeface="Arial" panose="020B0604020202020204" pitchFamily="34" charset="0"/>
                   <a:cs typeface="Arial" panose="020B0604020202020204" pitchFamily="34" charset="0"/>
+                  <a:hlinkClick r:id="rId13"/>
                 </a:rPr>
                 <a:t>https://github.com/lqdev</a:t>
               </a:r>
+              <a:endParaRPr lang="en-US" sz="2800" dirty="0">
+                <a:latin typeface="Arial" panose="020B0604020202020204" pitchFamily="34" charset="0"/>
+                <a:cs typeface="Arial" panose="020B0604020202020204" pitchFamily="34" charset="0"/>
+              </a:endParaRPr>
             </a:p>
           </p:txBody>
         </p:sp>
@@ -18353,6 +18392,11 @@
             <a:chOff x="5854337" y="2276812"/>
             <a:chExt cx="2299063" cy="1570038"/>
           </a:xfrm>
+          <a:solidFill>
+            <a:schemeClr val="bg2">
+              <a:lumMod val="75000"/>
+            </a:schemeClr>
+          </a:solidFill>
         </p:grpSpPr>
         <p:sp>
           <p:nvSpPr>
@@ -18374,6 +18418,7 @@
             <a:prstGeom prst="rect">
               <a:avLst/>
             </a:prstGeom>
+            <a:grpFill/>
           </p:spPr>
           <p:style>
             <a:lnRef idx="2">
@@ -18447,6 +18492,7 @@
             <a:prstGeom prst="rect">
               <a:avLst/>
             </a:prstGeom>
+            <a:grpFill/>
           </p:spPr>
         </p:pic>
       </p:grpSp>
@@ -18469,6 +18515,11 @@
             <a:chOff x="9390017" y="2276812"/>
             <a:chExt cx="1963783" cy="3696739"/>
           </a:xfrm>
+          <a:solidFill>
+            <a:schemeClr val="bg2">
+              <a:lumMod val="75000"/>
+            </a:schemeClr>
+          </a:solidFill>
         </p:grpSpPr>
         <p:sp>
           <p:nvSpPr>
@@ -18490,6 +18541,7 @@
             <a:prstGeom prst="rect">
               <a:avLst/>
             </a:prstGeom>
+            <a:grpFill/>
           </p:spPr>
           <p:style>
             <a:lnRef idx="2">
@@ -18570,6 +18622,7 @@
             <a:prstGeom prst="rect">
               <a:avLst/>
             </a:prstGeom>
+            <a:grpFill/>
           </p:spPr>
         </p:pic>
       </p:grpSp>
@@ -18592,6 +18645,11 @@
             <a:chOff x="5854337" y="4438662"/>
             <a:chExt cx="2299063" cy="1534889"/>
           </a:xfrm>
+          <a:solidFill>
+            <a:schemeClr val="bg2">
+              <a:lumMod val="75000"/>
+            </a:schemeClr>
+          </a:solidFill>
         </p:grpSpPr>
         <p:sp>
           <p:nvSpPr>
@@ -18613,6 +18671,7 @@
             <a:prstGeom prst="rect">
               <a:avLst/>
             </a:prstGeom>
+            <a:grpFill/>
           </p:spPr>
           <p:style>
             <a:lnRef idx="2">
@@ -18686,6 +18745,7 @@
             <a:prstGeom prst="rect">
               <a:avLst/>
             </a:prstGeom>
+            <a:grpFill/>
           </p:spPr>
         </p:pic>
         <p:pic>
@@ -18725,6 +18785,7 @@
             <a:prstGeom prst="rect">
               <a:avLst/>
             </a:prstGeom>
+            <a:grpFill/>
           </p:spPr>
         </p:pic>
       </p:grpSp>
@@ -18747,6 +18808,11 @@
             <a:chOff x="838200" y="2309632"/>
             <a:chExt cx="2299063" cy="3623080"/>
           </a:xfrm>
+          <a:solidFill>
+            <a:schemeClr val="bg2">
+              <a:lumMod val="75000"/>
+            </a:schemeClr>
+          </a:solidFill>
         </p:grpSpPr>
         <p:sp>
           <p:nvSpPr>
@@ -18768,6 +18834,7 @@
             <a:prstGeom prst="rect">
               <a:avLst/>
             </a:prstGeom>
+            <a:grpFill/>
           </p:spPr>
           <p:style>
             <a:lnRef idx="2">
@@ -18841,6 +18908,7 @@
             <a:prstGeom prst="rect">
               <a:avLst/>
             </a:prstGeom>
+            <a:grpFill/>
           </p:spPr>
         </p:pic>
       </p:grpSp>
@@ -18864,6 +18932,9 @@
           <a:prstGeom prst="rightArrow">
             <a:avLst/>
           </a:prstGeom>
+          <a:solidFill>
+            <a:schemeClr val="tx1"/>
+          </a:solidFill>
         </p:spPr>
         <p:style>
           <a:lnRef idx="2">
@@ -18910,6 +18981,9 @@
           <a:prstGeom prst="rightArrow">
             <a:avLst/>
           </a:prstGeom>
+          <a:solidFill>
+            <a:schemeClr val="tx1"/>
+          </a:solidFill>
         </p:spPr>
         <p:style>
           <a:lnRef idx="2">
@@ -18956,6 +19030,9 @@
           <a:prstGeom prst="leftRightArrow">
             <a:avLst/>
           </a:prstGeom>
+          <a:solidFill>
+            <a:schemeClr val="tx1"/>
+          </a:solidFill>
         </p:spPr>
         <p:style>
           <a:lnRef idx="2">
@@ -19002,6 +19079,9 @@
           <a:prstGeom prst="leftRightArrow">
             <a:avLst/>
           </a:prstGeom>
+          <a:solidFill>
+            <a:schemeClr val="tx1"/>
+          </a:solidFill>
         </p:spPr>
         <p:style>
           <a:lnRef idx="2">
@@ -19048,6 +19128,9 @@
           <a:prstGeom prst="ellipse">
             <a:avLst/>
           </a:prstGeom>
+          <a:solidFill>
+            <a:schemeClr val="accent2"/>
+          </a:solidFill>
         </p:spPr>
         <p:style>
           <a:lnRef idx="2">
@@ -19097,6 +19180,9 @@
           <a:prstGeom prst="ellipse">
             <a:avLst/>
           </a:prstGeom>
+          <a:solidFill>
+            <a:schemeClr val="accent2"/>
+          </a:solidFill>
         </p:spPr>
         <p:style>
           <a:lnRef idx="2">
@@ -19146,6 +19232,9 @@
           <a:prstGeom prst="ellipse">
             <a:avLst/>
           </a:prstGeom>
+          <a:solidFill>
+            <a:schemeClr val="accent2"/>
+          </a:solidFill>
         </p:spPr>
         <p:style>
           <a:lnRef idx="2">
@@ -19195,6 +19284,9 @@
           <a:prstGeom prst="ellipse">
             <a:avLst/>
           </a:prstGeom>
+          <a:solidFill>
+            <a:schemeClr val="accent2"/>
+          </a:solidFill>
         </p:spPr>
         <p:style>
           <a:lnRef idx="2">
@@ -21931,8 +22023,8 @@
           </a:prstGeom>
         </p:spPr>
       </p:pic>
-      <mc:AlternateContent xmlns:mc="http://schemas.openxmlformats.org/markup-compatibility/2006">
-        <mc:Choice xmlns:a14="http://schemas.microsoft.com/office/drawing/2010/main" Requires="a14">
+      <mc:AlternateContent xmlns:mc="http://schemas.openxmlformats.org/markup-compatibility/2006" xmlns:a14="http://schemas.microsoft.com/office/drawing/2010/main">
+        <mc:Choice Requires="a14">
           <p:sp>
             <p:nvSpPr>
               <p:cNvPr id="10" name="TextBox 9">
@@ -22000,7 +22092,7 @@
             </p:txBody>
           </p:sp>
         </mc:Choice>
-        <mc:Fallback>
+        <mc:Fallback xmlns="">
           <p:sp>
             <p:nvSpPr>
               <p:cNvPr id="10" name="TextBox 9">
@@ -22560,31 +22652,6 @@
       </p:sp>
       <p:sp>
         <p:nvSpPr>
-          <p:cNvPr id="3" name="Content Placeholder 2">
-            <a:extLst>
-              <a:ext uri="{FF2B5EF4-FFF2-40B4-BE49-F238E27FC236}">
-                <a16:creationId xmlns:a16="http://schemas.microsoft.com/office/drawing/2014/main" id="{8559D819-0A35-4800-8830-560481055CBF}"/>
-              </a:ext>
-            </a:extLst>
-          </p:cNvPr>
-          <p:cNvSpPr>
-            <a:spLocks noGrp="1"/>
-          </p:cNvSpPr>
-          <p:nvPr>
-            <p:ph idx="1"/>
-          </p:nvPr>
-        </p:nvSpPr>
-        <p:spPr/>
-        <p:txBody>
-          <a:bodyPr/>
-          <a:lstStyle/>
-          <a:p>
-            <a:endParaRPr lang="en-US"/>
-          </a:p>
-        </p:txBody>
-      </p:sp>
-      <p:sp>
-        <p:nvSpPr>
           <p:cNvPr id="4" name="Footer Placeholder 3">
             <a:extLst>
               <a:ext uri="{FF2B5EF4-FFF2-40B4-BE49-F238E27FC236}">
@@ -22608,6 +22675,43 @@
               <a:rPr lang="en-US"/>
               <a:t>@ljquintanilla</a:t>
             </a:r>
+          </a:p>
+        </p:txBody>
+      </p:sp>
+      <p:sp>
+        <p:nvSpPr>
+          <p:cNvPr id="5" name="Rectangle 4">
+            <a:extLst>
+              <a:ext uri="{FF2B5EF4-FFF2-40B4-BE49-F238E27FC236}">
+                <a16:creationId xmlns:a16="http://schemas.microsoft.com/office/drawing/2014/main" id="{93975A31-1AC3-481D-82C8-9BD43DB06592}"/>
+              </a:ext>
+            </a:extLst>
+          </p:cNvPr>
+          <p:cNvSpPr/>
+          <p:nvPr/>
+        </p:nvSpPr>
+        <p:spPr>
+          <a:xfrm>
+            <a:off x="1928480" y="3013501"/>
+            <a:ext cx="8335039" cy="830997"/>
+          </a:xfrm>
+          <a:prstGeom prst="rect">
+            <a:avLst/>
+          </a:prstGeom>
+        </p:spPr>
+        <p:txBody>
+          <a:bodyPr wrap="none">
+            <a:spAutoFit/>
+          </a:bodyPr>
+          <a:lstStyle/>
+          <a:p>
+            <a:r>
+              <a:rPr lang="en-US" sz="4800" dirty="0">
+                <a:hlinkClick r:id="rId2"/>
+              </a:rPr>
+              <a:t>http://bit.ly/NYCCodeCamp2019</a:t>
+            </a:r>
+            <a:endParaRPr lang="en-US" sz="4800" dirty="0"/>
           </a:p>
         </p:txBody>
       </p:sp>
@@ -23069,7 +23173,61 @@
           <a:bodyPr/>
           <a:lstStyle/>
           <a:p>
-            <a:endParaRPr lang="en-US"/>
+            <a:r>
+              <a:rPr lang="en-US" dirty="0">
+                <a:hlinkClick r:id="rId2"/>
+              </a:rPr>
+              <a:t>http://luisquintanilla.me/2019/09/15/restaurant-inspections-etl-data-enrichment-spark-auto-ml-net/</a:t>
+            </a:r>
+            <a:endParaRPr lang="en-US" dirty="0"/>
+          </a:p>
+          <a:p>
+            <a:r>
+              <a:rPr lang="en-US" dirty="0">
+                <a:hlinkClick r:id="rId3"/>
+              </a:rPr>
+              <a:t>https://docs.microsoft.com/en-us/dotnet/spark/</a:t>
+            </a:r>
+            <a:endParaRPr lang="en-US" dirty="0"/>
+          </a:p>
+          <a:p>
+            <a:r>
+              <a:rPr lang="en-US" dirty="0">
+                <a:hlinkClick r:id="rId4"/>
+              </a:rPr>
+              <a:t>https://github.com/dotnet/spark</a:t>
+            </a:r>
+            <a:endParaRPr lang="en-US" dirty="0"/>
+          </a:p>
+          <a:p>
+            <a:r>
+              <a:rPr lang="en-US" dirty="0">
+                <a:hlinkClick r:id="rId5"/>
+              </a:rPr>
+              <a:t>https://docs.microsoft.com/en-us/dotnet/machine-learning/</a:t>
+            </a:r>
+            <a:endParaRPr lang="en-US" dirty="0"/>
+          </a:p>
+          <a:p>
+            <a:r>
+              <a:rPr lang="en-US" dirty="0">
+                <a:hlinkClick r:id="rId6"/>
+              </a:rPr>
+              <a:t>https://github.com/dotnet/machinelearning</a:t>
+            </a:r>
+            <a:endParaRPr lang="en-US" dirty="0"/>
+          </a:p>
+          <a:p>
+            <a:r>
+              <a:rPr lang="en-US" dirty="0">
+                <a:hlinkClick r:id="rId7"/>
+              </a:rPr>
+              <a:t>https://spark.apache.org/</a:t>
+            </a:r>
+            <a:endParaRPr lang="en-US" dirty="0"/>
+          </a:p>
+          <a:p>
+            <a:endParaRPr lang="en-US" dirty="0"/>
           </a:p>
         </p:txBody>
       </p:sp>
@@ -24029,7 +24187,22 @@
               <a:rPr lang="en-US" dirty="0">
                 <a:latin typeface="Arial Black" panose="020B0A04020102020204" pitchFamily="34" charset="0"/>
               </a:rPr>
-              <a:t>What is Big Data?</a:t>
+              <a:t>What is </a:t>
+            </a:r>
+            <a:r>
+              <a:rPr lang="en-US" dirty="0">
+                <a:solidFill>
+                  <a:schemeClr val="accent2"/>
+                </a:solidFill>
+                <a:latin typeface="Arial Black" panose="020B0A04020102020204" pitchFamily="34" charset="0"/>
+              </a:rPr>
+              <a:t>Big Data</a:t>
+            </a:r>
+            <a:r>
+              <a:rPr lang="en-US" dirty="0">
+                <a:latin typeface="Arial Black" panose="020B0A04020102020204" pitchFamily="34" charset="0"/>
+              </a:rPr>
+              <a:t>?</a:t>
             </a:r>
           </a:p>
         </p:txBody>
@@ -24563,7 +24736,22 @@
               <a:rPr lang="en-US" dirty="0">
                 <a:latin typeface="Arial Black" panose="020B0A04020102020204" pitchFamily="34" charset="0"/>
               </a:rPr>
-              <a:t>What is Apache Spark?</a:t>
+              <a:t>What is </a:t>
+            </a:r>
+            <a:r>
+              <a:rPr lang="en-US" dirty="0">
+                <a:solidFill>
+                  <a:schemeClr val="accent2"/>
+                </a:solidFill>
+                <a:latin typeface="Arial Black" panose="020B0A04020102020204" pitchFamily="34" charset="0"/>
+              </a:rPr>
+              <a:t>Apache Spark</a:t>
+            </a:r>
+            <a:r>
+              <a:rPr lang="en-US" dirty="0">
+                <a:latin typeface="Arial Black" panose="020B0A04020102020204" pitchFamily="34" charset="0"/>
+              </a:rPr>
+              <a:t>?</a:t>
             </a:r>
           </a:p>
         </p:txBody>

--- a/codecampnyc2019/slides/Intro-Dotnet-Spark.pptx
+++ b/codecampnyc2019/slides/Intro-Dotnet-Spark.pptx
@@ -5,7 +5,7 @@
     <p:sldMasterId id="2147483648" r:id="rId1"/>
   </p:sldMasterIdLst>
   <p:notesMasterIdLst>
-    <p:notesMasterId r:id="rId36"/>
+    <p:notesMasterId r:id="rId37"/>
   </p:notesMasterIdLst>
   <p:sldIdLst>
     <p:sldId id="256" r:id="rId2"/>
@@ -27,21 +27,22 @@
     <p:sldId id="279" r:id="rId18"/>
     <p:sldId id="280" r:id="rId19"/>
     <p:sldId id="281" r:id="rId20"/>
-    <p:sldId id="263" r:id="rId21"/>
-    <p:sldId id="284" r:id="rId22"/>
-    <p:sldId id="285" r:id="rId23"/>
-    <p:sldId id="282" r:id="rId24"/>
-    <p:sldId id="288" r:id="rId25"/>
-    <p:sldId id="293" r:id="rId26"/>
-    <p:sldId id="292" r:id="rId27"/>
-    <p:sldId id="289" r:id="rId28"/>
-    <p:sldId id="290" r:id="rId29"/>
-    <p:sldId id="283" r:id="rId30"/>
-    <p:sldId id="286" r:id="rId31"/>
-    <p:sldId id="287" r:id="rId32"/>
-    <p:sldId id="294" r:id="rId33"/>
-    <p:sldId id="295" r:id="rId34"/>
-    <p:sldId id="296" r:id="rId35"/>
+    <p:sldId id="298" r:id="rId21"/>
+    <p:sldId id="263" r:id="rId22"/>
+    <p:sldId id="284" r:id="rId23"/>
+    <p:sldId id="285" r:id="rId24"/>
+    <p:sldId id="282" r:id="rId25"/>
+    <p:sldId id="288" r:id="rId26"/>
+    <p:sldId id="293" r:id="rId27"/>
+    <p:sldId id="292" r:id="rId28"/>
+    <p:sldId id="289" r:id="rId29"/>
+    <p:sldId id="290" r:id="rId30"/>
+    <p:sldId id="283" r:id="rId31"/>
+    <p:sldId id="286" r:id="rId32"/>
+    <p:sldId id="287" r:id="rId33"/>
+    <p:sldId id="294" r:id="rId34"/>
+    <p:sldId id="295" r:id="rId35"/>
+    <p:sldId id="296" r:id="rId36"/>
   </p:sldIdLst>
   <p:sldSz cx="12192000" cy="6858000"/>
   <p:notesSz cx="6858000" cy="9144000"/>
@@ -180,6 +181,7 @@
           <p14:sldIdLst>
             <p14:sldId id="280"/>
             <p14:sldId id="281"/>
+            <p14:sldId id="298"/>
           </p14:sldIdLst>
         </p14:section>
         <p14:section name=".NET for Spark Apps" id="{AB90BADE-D77C-4552-91D3-AE9EE09940DA}">
@@ -10671,7 +10673,7 @@
           <a:p>
             <a:fld id="{444FBDDF-C4BA-4722-A4AB-9C65EB37F93A}" type="slidenum">
               <a:rPr lang="en-US" smtClean="0"/>
-              <a:t>25</a:t>
+              <a:t>26</a:t>
             </a:fld>
             <a:endParaRPr lang="en-US"/>
           </a:p>
@@ -17999,6 +18001,122 @@
       </p:grpSpPr>
       <p:sp>
         <p:nvSpPr>
+          <p:cNvPr id="5" name="Title 4">
+            <a:extLst>
+              <a:ext uri="{FF2B5EF4-FFF2-40B4-BE49-F238E27FC236}">
+                <a16:creationId xmlns:a16="http://schemas.microsoft.com/office/drawing/2014/main" id="{FB456047-9D56-4595-83DE-2C8286DD0914}"/>
+              </a:ext>
+            </a:extLst>
+          </p:cNvPr>
+          <p:cNvSpPr>
+            <a:spLocks noGrp="1"/>
+          </p:cNvSpPr>
+          <p:nvPr>
+            <p:ph type="title"/>
+          </p:nvPr>
+        </p:nvSpPr>
+        <p:spPr>
+          <a:xfrm>
+            <a:off x="838200" y="2766218"/>
+            <a:ext cx="10515600" cy="1325563"/>
+          </a:xfrm>
+        </p:spPr>
+        <p:txBody>
+          <a:bodyPr>
+            <a:noAutofit/>
+          </a:bodyPr>
+          <a:lstStyle/>
+          <a:p>
+            <a:pPr algn="ctr"/>
+            <a:r>
+              <a:rPr lang="en-US" sz="4800" dirty="0">
+                <a:latin typeface="Arial Black" panose="020B0A04020102020204" pitchFamily="34" charset="0"/>
+              </a:rPr>
+              <a:t>Demo </a:t>
+            </a:r>
+            <a:br>
+              <a:rPr lang="en-US" sz="4800" dirty="0">
+                <a:latin typeface="Arial Black" panose="020B0A04020102020204" pitchFamily="34" charset="0"/>
+              </a:rPr>
+            </a:br>
+            <a:r>
+              <a:rPr lang="en-US" sz="4800" dirty="0">
+                <a:latin typeface="Arial Black" panose="020B0A04020102020204" pitchFamily="34" charset="0"/>
+              </a:rPr>
+              <a:t>.NET for Apache </a:t>
+            </a:r>
+            <a:r>
+              <a:rPr lang="en-US" sz="4800">
+                <a:latin typeface="Arial Black" panose="020B0A04020102020204" pitchFamily="34" charset="0"/>
+              </a:rPr>
+              <a:t>Spark Streaming</a:t>
+            </a:r>
+            <a:endParaRPr lang="en-US" sz="4800" dirty="0">
+              <a:latin typeface="Arial Black" panose="020B0A04020102020204" pitchFamily="34" charset="0"/>
+            </a:endParaRPr>
+          </a:p>
+        </p:txBody>
+      </p:sp>
+      <p:sp>
+        <p:nvSpPr>
+          <p:cNvPr id="4" name="Footer Placeholder 3">
+            <a:extLst>
+              <a:ext uri="{FF2B5EF4-FFF2-40B4-BE49-F238E27FC236}">
+                <a16:creationId xmlns:a16="http://schemas.microsoft.com/office/drawing/2014/main" id="{9A8CDCA7-3CF0-406D-846D-1094A87B75A6}"/>
+              </a:ext>
+            </a:extLst>
+          </p:cNvPr>
+          <p:cNvSpPr>
+            <a:spLocks noGrp="1"/>
+          </p:cNvSpPr>
+          <p:nvPr>
+            <p:ph type="ftr" sz="quarter" idx="11"/>
+          </p:nvPr>
+        </p:nvSpPr>
+        <p:spPr/>
+        <p:txBody>
+          <a:bodyPr/>
+          <a:lstStyle/>
+          <a:p>
+            <a:r>
+              <a:rPr lang="en-US"/>
+              <a:t>@ljquintanilla</a:t>
+            </a:r>
+          </a:p>
+        </p:txBody>
+      </p:sp>
+    </p:spTree>
+    <p:extLst>
+      <p:ext uri="{BB962C8B-B14F-4D97-AF65-F5344CB8AC3E}">
+        <p14:creationId xmlns:p14="http://schemas.microsoft.com/office/powerpoint/2010/main" val="889910280"/>
+      </p:ext>
+    </p:extLst>
+  </p:cSld>
+  <p:clrMapOvr>
+    <a:masterClrMapping/>
+  </p:clrMapOvr>
+</p:sld>
+</file>
+
+<file path=ppt/slides/slide21.xml><?xml version="1.0" encoding="utf-8"?>
+<p:sld xmlns:a="http://schemas.openxmlformats.org/drawingml/2006/main" xmlns:r="http://schemas.openxmlformats.org/officeDocument/2006/relationships" xmlns:p="http://schemas.openxmlformats.org/presentationml/2006/main">
+  <p:cSld>
+    <p:spTree>
+      <p:nvGrpSpPr>
+        <p:cNvPr id="1" name=""/>
+        <p:cNvGrpSpPr/>
+        <p:nvPr/>
+      </p:nvGrpSpPr>
+      <p:grpSpPr>
+        <a:xfrm>
+          <a:off x="0" y="0"/>
+          <a:ext cx="0" cy="0"/>
+          <a:chOff x="0" y="0"/>
+          <a:chExt cx="0" cy="0"/>
+        </a:xfrm>
+      </p:grpSpPr>
+      <p:sp>
+        <p:nvSpPr>
           <p:cNvPr id="4" name="Title 3">
             <a:extLst>
               <a:ext uri="{FF2B5EF4-FFF2-40B4-BE49-F238E27FC236}">
@@ -18080,7 +18198,7 @@
 </p:sld>
 </file>
 
-<file path=ppt/slides/slide21.xml><?xml version="1.0" encoding="utf-8"?>
+<file path=ppt/slides/slide22.xml><?xml version="1.0" encoding="utf-8"?>
 <p:sld xmlns:a="http://schemas.openxmlformats.org/drawingml/2006/main" xmlns:r="http://schemas.openxmlformats.org/officeDocument/2006/relationships" xmlns:p="http://schemas.openxmlformats.org/presentationml/2006/main">
   <p:cSld>
     <p:spTree>
@@ -18296,7 +18414,7 @@
 </p:sld>
 </file>
 
-<file path=ppt/slides/slide22.xml><?xml version="1.0" encoding="utf-8"?>
+<file path=ppt/slides/slide23.xml><?xml version="1.0" encoding="utf-8"?>
 <p:sld xmlns:a="http://schemas.openxmlformats.org/drawingml/2006/main" xmlns:r="http://schemas.openxmlformats.org/officeDocument/2006/relationships" xmlns:p="http://schemas.openxmlformats.org/presentationml/2006/main">
   <p:cSld>
     <p:spTree>
@@ -19329,7 +19447,7 @@
 </p:sld>
 </file>
 
-<file path=ppt/slides/slide23.xml><?xml version="1.0" encoding="utf-8"?>
+<file path=ppt/slides/slide24.xml><?xml version="1.0" encoding="utf-8"?>
 <p:sld xmlns:a="http://schemas.openxmlformats.org/drawingml/2006/main" xmlns:r="http://schemas.openxmlformats.org/officeDocument/2006/relationships" xmlns:p="http://schemas.openxmlformats.org/presentationml/2006/main">
   <p:cSld>
     <p:spTree>
@@ -19436,7 +19554,7 @@
 </p:sld>
 </file>
 
-<file path=ppt/slides/slide24.xml><?xml version="1.0" encoding="utf-8"?>
+<file path=ppt/slides/slide25.xml><?xml version="1.0" encoding="utf-8"?>
 <p:sld xmlns:a="http://schemas.openxmlformats.org/drawingml/2006/main" xmlns:r="http://schemas.openxmlformats.org/officeDocument/2006/relationships" xmlns:p="http://schemas.openxmlformats.org/presentationml/2006/main">
   <p:cSld>
     <p:spTree>
@@ -19634,7 +19752,7 @@
 </p:sld>
 </file>
 
-<file path=ppt/slides/slide25.xml><?xml version="1.0" encoding="utf-8"?>
+<file path=ppt/slides/slide26.xml><?xml version="1.0" encoding="utf-8"?>
 <p:sld xmlns:a="http://schemas.openxmlformats.org/drawingml/2006/main" xmlns:r="http://schemas.openxmlformats.org/officeDocument/2006/relationships" xmlns:p="http://schemas.openxmlformats.org/presentationml/2006/main">
   <p:cSld>
     <p:spTree>
@@ -20589,7 +20707,7 @@
 </p:sld>
 </file>
 
-<file path=ppt/slides/slide26.xml><?xml version="1.0" encoding="utf-8"?>
+<file path=ppt/slides/slide27.xml><?xml version="1.0" encoding="utf-8"?>
 <p:sld xmlns:a="http://schemas.openxmlformats.org/drawingml/2006/main" xmlns:r="http://schemas.openxmlformats.org/officeDocument/2006/relationships" xmlns:p="http://schemas.openxmlformats.org/presentationml/2006/main">
   <p:cSld>
     <p:spTree>
@@ -21707,7 +21825,7 @@
 </p:sld>
 </file>
 
-<file path=ppt/slides/slide27.xml><?xml version="1.0" encoding="utf-8"?>
+<file path=ppt/slides/slide28.xml><?xml version="1.0" encoding="utf-8"?>
 <p:sld xmlns:a="http://schemas.openxmlformats.org/drawingml/2006/main" xmlns:r="http://schemas.openxmlformats.org/officeDocument/2006/relationships" xmlns:p="http://schemas.openxmlformats.org/presentationml/2006/main">
   <p:cSld>
     <p:spTree>
@@ -21850,7 +21968,7 @@
 </p:sld>
 </file>
 
-<file path=ppt/slides/slide28.xml><?xml version="1.0" encoding="utf-8"?>
+<file path=ppt/slides/slide29.xml><?xml version="1.0" encoding="utf-8"?>
 <p:sld xmlns:a="http://schemas.openxmlformats.org/drawingml/2006/main" xmlns:r="http://schemas.openxmlformats.org/officeDocument/2006/relationships" xmlns:p="http://schemas.openxmlformats.org/presentationml/2006/main">
   <p:cSld>
     <p:spTree>
@@ -22483,124 +22601,6 @@
 </p:sld>
 </file>
 
-<file path=ppt/slides/slide29.xml><?xml version="1.0" encoding="utf-8"?>
-<p:sld xmlns:a="http://schemas.openxmlformats.org/drawingml/2006/main" xmlns:r="http://schemas.openxmlformats.org/officeDocument/2006/relationships" xmlns:p="http://schemas.openxmlformats.org/presentationml/2006/main">
-  <p:cSld>
-    <p:spTree>
-      <p:nvGrpSpPr>
-        <p:cNvPr id="1" name=""/>
-        <p:cNvGrpSpPr/>
-        <p:nvPr/>
-      </p:nvGrpSpPr>
-      <p:grpSpPr>
-        <a:xfrm>
-          <a:off x="0" y="0"/>
-          <a:ext cx="0" cy="0"/>
-          <a:chOff x="0" y="0"/>
-          <a:chExt cx="0" cy="0"/>
-        </a:xfrm>
-      </p:grpSpPr>
-      <p:sp>
-        <p:nvSpPr>
-          <p:cNvPr id="5" name="Title 4">
-            <a:extLst>
-              <a:ext uri="{FF2B5EF4-FFF2-40B4-BE49-F238E27FC236}">
-                <a16:creationId xmlns:a16="http://schemas.microsoft.com/office/drawing/2014/main" id="{FB456047-9D56-4595-83DE-2C8286DD0914}"/>
-              </a:ext>
-            </a:extLst>
-          </p:cNvPr>
-          <p:cNvSpPr>
-            <a:spLocks noGrp="1"/>
-          </p:cNvSpPr>
-          <p:nvPr>
-            <p:ph type="title"/>
-          </p:nvPr>
-        </p:nvSpPr>
-        <p:spPr>
-          <a:xfrm>
-            <a:off x="838200" y="2766218"/>
-            <a:ext cx="10515600" cy="1325563"/>
-          </a:xfrm>
-        </p:spPr>
-        <p:txBody>
-          <a:bodyPr>
-            <a:noAutofit/>
-          </a:bodyPr>
-          <a:lstStyle/>
-          <a:p>
-            <a:pPr algn="ctr"/>
-            <a:r>
-              <a:rPr lang="en-US" sz="4800" dirty="0">
-                <a:latin typeface="Arial Black" panose="020B0A04020102020204" pitchFamily="34" charset="0"/>
-              </a:rPr>
-              <a:t>Demo </a:t>
-            </a:r>
-            <a:br>
-              <a:rPr lang="en-US" sz="4800" dirty="0">
-                <a:latin typeface="Arial Black" panose="020B0A04020102020204" pitchFamily="34" charset="0"/>
-              </a:rPr>
-            </a:br>
-            <a:r>
-              <a:rPr lang="en-US" sz="4800" dirty="0">
-                <a:latin typeface="Arial Black" panose="020B0A04020102020204" pitchFamily="34" charset="0"/>
-              </a:rPr>
-              <a:t>Restaurant Inspections Training</a:t>
-            </a:r>
-            <a:br>
-              <a:rPr lang="en-US" sz="4800" dirty="0">
-                <a:latin typeface="Arial Black" panose="020B0A04020102020204" pitchFamily="34" charset="0"/>
-              </a:rPr>
-            </a:br>
-            <a:r>
-              <a:rPr lang="en-US" sz="4800" dirty="0">
-                <a:latin typeface="Arial Black" panose="020B0A04020102020204" pitchFamily="34" charset="0"/>
-              </a:rPr>
-              <a:t>(ML.NET Automated (Auto) ML)</a:t>
-            </a:r>
-          </a:p>
-        </p:txBody>
-      </p:sp>
-      <p:sp>
-        <p:nvSpPr>
-          <p:cNvPr id="4" name="Footer Placeholder 3">
-            <a:extLst>
-              <a:ext uri="{FF2B5EF4-FFF2-40B4-BE49-F238E27FC236}">
-                <a16:creationId xmlns:a16="http://schemas.microsoft.com/office/drawing/2014/main" id="{9A8CDCA7-3CF0-406D-846D-1094A87B75A6}"/>
-              </a:ext>
-            </a:extLst>
-          </p:cNvPr>
-          <p:cNvSpPr>
-            <a:spLocks noGrp="1"/>
-          </p:cNvSpPr>
-          <p:nvPr>
-            <p:ph type="ftr" sz="quarter" idx="11"/>
-          </p:nvPr>
-        </p:nvSpPr>
-        <p:spPr/>
-        <p:txBody>
-          <a:bodyPr/>
-          <a:lstStyle/>
-          <a:p>
-            <a:r>
-              <a:rPr lang="en-US"/>
-              <a:t>@ljquintanilla</a:t>
-            </a:r>
-          </a:p>
-        </p:txBody>
-      </p:sp>
-    </p:spTree>
-    <p:extLst>
-      <p:ext uri="{BB962C8B-B14F-4D97-AF65-F5344CB8AC3E}">
-        <p14:creationId xmlns:p14="http://schemas.microsoft.com/office/powerpoint/2010/main" val="2649318735"/>
-      </p:ext>
-    </p:extLst>
-  </p:cSld>
-  <p:clrMapOvr>
-    <a:masterClrMapping/>
-  </p:clrMapOvr>
-</p:sld>
-</file>
-
 <file path=ppt/slides/slide3.xml><?xml version="1.0" encoding="utf-8"?>
 <p:sld xmlns:a="http://schemas.openxmlformats.org/drawingml/2006/main" xmlns:r="http://schemas.openxmlformats.org/officeDocument/2006/relationships" xmlns:p="http://schemas.openxmlformats.org/presentationml/2006/main">
   <p:cSld>
@@ -22789,7 +22789,7 @@
               <a:rPr lang="en-US" sz="4800" dirty="0">
                 <a:latin typeface="Arial Black" panose="020B0A04020102020204" pitchFamily="34" charset="0"/>
               </a:rPr>
-              <a:t>Restaurant Inspections Enrichment </a:t>
+              <a:t>Restaurant Inspections Training</a:t>
             </a:r>
             <a:br>
               <a:rPr lang="en-US" sz="4800" dirty="0">
@@ -22800,7 +22800,7 @@
               <a:rPr lang="en-US" sz="4800" dirty="0">
                 <a:latin typeface="Arial Black" panose="020B0A04020102020204" pitchFamily="34" charset="0"/>
               </a:rPr>
-              <a:t>(.NET for Apache Spark + SQL)</a:t>
+              <a:t>(ML.NET Automated (Auto) ML)</a:t>
             </a:r>
           </a:p>
         </p:txBody>
@@ -22836,7 +22836,7 @@
     </p:spTree>
     <p:extLst>
       <p:ext uri="{BB962C8B-B14F-4D97-AF65-F5344CB8AC3E}">
-        <p14:creationId xmlns:p14="http://schemas.microsoft.com/office/powerpoint/2010/main" val="385989821"/>
+        <p14:creationId xmlns:p14="http://schemas.microsoft.com/office/powerpoint/2010/main" val="2649318735"/>
       </p:ext>
     </p:extLst>
   </p:cSld>
@@ -22918,7 +22918,7 @@
               <a:rPr lang="en-US" sz="4800" dirty="0">
                 <a:latin typeface="Arial Black" panose="020B0A04020102020204" pitchFamily="34" charset="0"/>
               </a:rPr>
-              <a:t>(Azure HDInsight)</a:t>
+              <a:t>(.NET for Apache Spark + SQL)</a:t>
             </a:r>
           </a:p>
         </p:txBody>
@@ -22954,7 +22954,7 @@
     </p:spTree>
     <p:extLst>
       <p:ext uri="{BB962C8B-B14F-4D97-AF65-F5344CB8AC3E}">
-        <p14:creationId xmlns:p14="http://schemas.microsoft.com/office/powerpoint/2010/main" val="2755180249"/>
+        <p14:creationId xmlns:p14="http://schemas.microsoft.com/office/powerpoint/2010/main" val="385989821"/>
       </p:ext>
     </p:extLst>
   </p:cSld>
@@ -22983,10 +22983,10 @@
       </p:grpSpPr>
       <p:sp>
         <p:nvSpPr>
-          <p:cNvPr id="4" name="Title 3">
+          <p:cNvPr id="5" name="Title 4">
             <a:extLst>
               <a:ext uri="{FF2B5EF4-FFF2-40B4-BE49-F238E27FC236}">
-                <a16:creationId xmlns:a16="http://schemas.microsoft.com/office/drawing/2014/main" id="{DBC16944-E4B7-4661-93C0-969D09C50D80}"/>
+                <a16:creationId xmlns:a16="http://schemas.microsoft.com/office/drawing/2014/main" id="{FB456047-9D56-4595-83DE-2C8286DD0914}"/>
               </a:ext>
             </a:extLst>
           </p:cNvPr>
@@ -22997,77 +22997,56 @@
             <p:ph type="title"/>
           </p:nvPr>
         </p:nvSpPr>
-        <p:spPr/>
+        <p:spPr>
+          <a:xfrm>
+            <a:off x="838200" y="2766218"/>
+            <a:ext cx="10515600" cy="1325563"/>
+          </a:xfrm>
+        </p:spPr>
         <p:txBody>
           <a:bodyPr>
-            <a:normAutofit/>
+            <a:noAutofit/>
           </a:bodyPr>
           <a:lstStyle/>
           <a:p>
+            <a:pPr algn="ctr"/>
             <a:r>
               <a:rPr lang="en-US" sz="4800" dirty="0">
                 <a:latin typeface="Arial Black" panose="020B0A04020102020204" pitchFamily="34" charset="0"/>
               </a:rPr>
-              <a:t>Takeaways</a:t>
+              <a:t>Demo </a:t>
+            </a:r>
+            <a:br>
+              <a:rPr lang="en-US" sz="4800" dirty="0">
+                <a:latin typeface="Arial Black" panose="020B0A04020102020204" pitchFamily="34" charset="0"/>
+              </a:rPr>
+            </a:br>
+            <a:r>
+              <a:rPr lang="en-US" sz="4800" dirty="0">
+                <a:latin typeface="Arial Black" panose="020B0A04020102020204" pitchFamily="34" charset="0"/>
+              </a:rPr>
+              <a:t>Restaurant Inspections Enrichment </a:t>
+            </a:r>
+            <a:br>
+              <a:rPr lang="en-US" sz="4800" dirty="0">
+                <a:latin typeface="Arial Black" panose="020B0A04020102020204" pitchFamily="34" charset="0"/>
+              </a:rPr>
+            </a:br>
+            <a:r>
+              <a:rPr lang="en-US" sz="4800" dirty="0">
+                <a:latin typeface="Arial Black" panose="020B0A04020102020204" pitchFamily="34" charset="0"/>
+              </a:rPr>
+              <a:t>(Azure HDInsight)</a:t>
             </a:r>
           </a:p>
         </p:txBody>
       </p:sp>
       <p:sp>
         <p:nvSpPr>
-          <p:cNvPr id="5" name="Content Placeholder 4">
+          <p:cNvPr id="4" name="Footer Placeholder 3">
             <a:extLst>
               <a:ext uri="{FF2B5EF4-FFF2-40B4-BE49-F238E27FC236}">
-                <a16:creationId xmlns:a16="http://schemas.microsoft.com/office/drawing/2014/main" id="{698BC46F-CC3B-46C2-84E3-14E07963FD4D}"/>
-              </a:ext>
-            </a:extLst>
-          </p:cNvPr>
-          <p:cNvSpPr>
-            <a:spLocks noGrp="1"/>
-          </p:cNvSpPr>
-          <p:nvPr>
-            <p:ph idx="1"/>
-          </p:nvPr>
-        </p:nvSpPr>
-        <p:spPr/>
-        <p:txBody>
-          <a:bodyPr/>
-          <a:lstStyle/>
-          <a:p>
-            <a:r>
-              <a:rPr lang="en-US" dirty="0">
-                <a:latin typeface="Arial" panose="020B0604020202020204" pitchFamily="34" charset="0"/>
-                <a:cs typeface="Arial" panose="020B0604020202020204" pitchFamily="34" charset="0"/>
-              </a:rPr>
-              <a:t>Apache Spark is a fast and extensible computing platform for processing Big Data workloads.</a:t>
-            </a:r>
-          </a:p>
-          <a:p>
-            <a:r>
-              <a:rPr lang="en-US" dirty="0">
-                <a:latin typeface="Arial" panose="020B0604020202020204" pitchFamily="34" charset="0"/>
-                <a:cs typeface="Arial" panose="020B0604020202020204" pitchFamily="34" charset="0"/>
-              </a:rPr>
-              <a:t>.NET for Apache Spark brings the power of Apache Spark to the .NET ecosystem.</a:t>
-            </a:r>
-          </a:p>
-          <a:p>
-            <a:r>
-              <a:rPr lang="en-US" dirty="0">
-                <a:latin typeface="Arial" panose="020B0604020202020204" pitchFamily="34" charset="0"/>
-                <a:cs typeface="Arial" panose="020B0604020202020204" pitchFamily="34" charset="0"/>
-              </a:rPr>
-              <a:t>.NET for Apache Spark provides easy integration with other .NET libraries / frameworks such as ML.NET.</a:t>
-            </a:r>
-          </a:p>
-        </p:txBody>
-      </p:sp>
-      <p:sp>
-        <p:nvSpPr>
-          <p:cNvPr id="3" name="Footer Placeholder 2">
-            <a:extLst>
-              <a:ext uri="{FF2B5EF4-FFF2-40B4-BE49-F238E27FC236}">
-                <a16:creationId xmlns:a16="http://schemas.microsoft.com/office/drawing/2014/main" id="{854B6716-251E-4D90-9198-4F1CA87B3767}"/>
+                <a16:creationId xmlns:a16="http://schemas.microsoft.com/office/drawing/2014/main" id="{9A8CDCA7-3CF0-406D-846D-1094A87B75A6}"/>
               </a:ext>
             </a:extLst>
           </p:cNvPr>
@@ -23093,7 +23072,7 @@
     </p:spTree>
     <p:extLst>
       <p:ext uri="{BB962C8B-B14F-4D97-AF65-F5344CB8AC3E}">
-        <p14:creationId xmlns:p14="http://schemas.microsoft.com/office/powerpoint/2010/main" val="1873422001"/>
+        <p14:creationId xmlns:p14="http://schemas.microsoft.com/office/powerpoint/2010/main" val="2755180249"/>
       </p:ext>
     </p:extLst>
   </p:cSld>
@@ -23122,6 +23101,145 @@
       </p:grpSpPr>
       <p:sp>
         <p:nvSpPr>
+          <p:cNvPr id="4" name="Title 3">
+            <a:extLst>
+              <a:ext uri="{FF2B5EF4-FFF2-40B4-BE49-F238E27FC236}">
+                <a16:creationId xmlns:a16="http://schemas.microsoft.com/office/drawing/2014/main" id="{DBC16944-E4B7-4661-93C0-969D09C50D80}"/>
+              </a:ext>
+            </a:extLst>
+          </p:cNvPr>
+          <p:cNvSpPr>
+            <a:spLocks noGrp="1"/>
+          </p:cNvSpPr>
+          <p:nvPr>
+            <p:ph type="title"/>
+          </p:nvPr>
+        </p:nvSpPr>
+        <p:spPr/>
+        <p:txBody>
+          <a:bodyPr>
+            <a:normAutofit/>
+          </a:bodyPr>
+          <a:lstStyle/>
+          <a:p>
+            <a:r>
+              <a:rPr lang="en-US" sz="4800" dirty="0">
+                <a:latin typeface="Arial Black" panose="020B0A04020102020204" pitchFamily="34" charset="0"/>
+              </a:rPr>
+              <a:t>Takeaways</a:t>
+            </a:r>
+          </a:p>
+        </p:txBody>
+      </p:sp>
+      <p:sp>
+        <p:nvSpPr>
+          <p:cNvPr id="5" name="Content Placeholder 4">
+            <a:extLst>
+              <a:ext uri="{FF2B5EF4-FFF2-40B4-BE49-F238E27FC236}">
+                <a16:creationId xmlns:a16="http://schemas.microsoft.com/office/drawing/2014/main" id="{698BC46F-CC3B-46C2-84E3-14E07963FD4D}"/>
+              </a:ext>
+            </a:extLst>
+          </p:cNvPr>
+          <p:cNvSpPr>
+            <a:spLocks noGrp="1"/>
+          </p:cNvSpPr>
+          <p:nvPr>
+            <p:ph idx="1"/>
+          </p:nvPr>
+        </p:nvSpPr>
+        <p:spPr/>
+        <p:txBody>
+          <a:bodyPr/>
+          <a:lstStyle/>
+          <a:p>
+            <a:r>
+              <a:rPr lang="en-US" dirty="0">
+                <a:latin typeface="Arial" panose="020B0604020202020204" pitchFamily="34" charset="0"/>
+                <a:cs typeface="Arial" panose="020B0604020202020204" pitchFamily="34" charset="0"/>
+              </a:rPr>
+              <a:t>Apache Spark is a fast and extensible computing platform for processing Big Data workloads.</a:t>
+            </a:r>
+          </a:p>
+          <a:p>
+            <a:r>
+              <a:rPr lang="en-US" dirty="0">
+                <a:latin typeface="Arial" panose="020B0604020202020204" pitchFamily="34" charset="0"/>
+                <a:cs typeface="Arial" panose="020B0604020202020204" pitchFamily="34" charset="0"/>
+              </a:rPr>
+              <a:t>.NET for Apache Spark brings the power of Apache Spark to the .NET ecosystem.</a:t>
+            </a:r>
+          </a:p>
+          <a:p>
+            <a:r>
+              <a:rPr lang="en-US" dirty="0">
+                <a:latin typeface="Arial" panose="020B0604020202020204" pitchFamily="34" charset="0"/>
+                <a:cs typeface="Arial" panose="020B0604020202020204" pitchFamily="34" charset="0"/>
+              </a:rPr>
+              <a:t>.NET for Apache Spark provides easy integration with other .NET libraries / frameworks such as ML.NET.</a:t>
+            </a:r>
+          </a:p>
+        </p:txBody>
+      </p:sp>
+      <p:sp>
+        <p:nvSpPr>
+          <p:cNvPr id="3" name="Footer Placeholder 2">
+            <a:extLst>
+              <a:ext uri="{FF2B5EF4-FFF2-40B4-BE49-F238E27FC236}">
+                <a16:creationId xmlns:a16="http://schemas.microsoft.com/office/drawing/2014/main" id="{854B6716-251E-4D90-9198-4F1CA87B3767}"/>
+              </a:ext>
+            </a:extLst>
+          </p:cNvPr>
+          <p:cNvSpPr>
+            <a:spLocks noGrp="1"/>
+          </p:cNvSpPr>
+          <p:nvPr>
+            <p:ph type="ftr" sz="quarter" idx="11"/>
+          </p:nvPr>
+        </p:nvSpPr>
+        <p:spPr/>
+        <p:txBody>
+          <a:bodyPr/>
+          <a:lstStyle/>
+          <a:p>
+            <a:r>
+              <a:rPr lang="en-US"/>
+              <a:t>@ljquintanilla</a:t>
+            </a:r>
+          </a:p>
+        </p:txBody>
+      </p:sp>
+    </p:spTree>
+    <p:extLst>
+      <p:ext uri="{BB962C8B-B14F-4D97-AF65-F5344CB8AC3E}">
+        <p14:creationId xmlns:p14="http://schemas.microsoft.com/office/powerpoint/2010/main" val="1873422001"/>
+      </p:ext>
+    </p:extLst>
+  </p:cSld>
+  <p:clrMapOvr>
+    <a:masterClrMapping/>
+  </p:clrMapOvr>
+</p:sld>
+</file>
+
+<file path=ppt/slides/slide34.xml><?xml version="1.0" encoding="utf-8"?>
+<p:sld xmlns:a="http://schemas.openxmlformats.org/drawingml/2006/main" xmlns:r="http://schemas.openxmlformats.org/officeDocument/2006/relationships" xmlns:p="http://schemas.openxmlformats.org/presentationml/2006/main">
+  <p:cSld>
+    <p:spTree>
+      <p:nvGrpSpPr>
+        <p:cNvPr id="1" name=""/>
+        <p:cNvGrpSpPr/>
+        <p:nvPr/>
+      </p:nvGrpSpPr>
+      <p:grpSpPr>
+        <a:xfrm>
+          <a:off x="0" y="0"/>
+          <a:ext cx="0" cy="0"/>
+          <a:chOff x="0" y="0"/>
+          <a:chExt cx="0" cy="0"/>
+        </a:xfrm>
+      </p:grpSpPr>
+      <p:sp>
+        <p:nvSpPr>
           <p:cNvPr id="2" name="Title 1">
             <a:extLst>
               <a:ext uri="{FF2B5EF4-FFF2-40B4-BE49-F238E27FC236}">
@@ -23272,7 +23390,7 @@
 </p:sld>
 </file>
 
-<file path=ppt/slides/slide34.xml><?xml version="1.0" encoding="utf-8"?>
+<file path=ppt/slides/slide35.xml><?xml version="1.0" encoding="utf-8"?>
 <p:sld xmlns:a="http://schemas.openxmlformats.org/drawingml/2006/main" xmlns:r="http://schemas.openxmlformats.org/officeDocument/2006/relationships" xmlns:p="http://schemas.openxmlformats.org/presentationml/2006/main">
   <p:cSld>
     <p:spTree>
